--- a/Presentation-Project_2.pptx
+++ b/Presentation-Project_2.pptx
@@ -25794,7 +25794,7 @@
         </p:spPr>
         <p:txBody>
           <a:bodyPr>
-            <a:normAutofit fontScale="92500" lnSpcReduction="10000"/>
+            <a:normAutofit fontScale="92500" lnSpcReduction="20000"/>
           </a:bodyPr>
           <a:lstStyle/>
           <a:p>
@@ -25817,6 +25817,13 @@
             <a:r>
               <a:rPr lang="en-US" sz="1600" dirty="0"/>
               <a:t>Scraped historical data from 01/2012 - 12/2013</a:t>
+            </a:r>
+          </a:p>
+          <a:p>
+            <a:pPr lvl="1"/>
+            <a:r>
+              <a:rPr lang="en-US" sz="1600" dirty="0"/>
+              <a:t>All Zeroes for Rain! </a:t>
             </a:r>
           </a:p>
           <a:p>
@@ -25916,8 +25923,8 @@
         </p:blipFill>
         <p:spPr bwMode="auto">
           <a:xfrm>
-            <a:off x="3975100" y="4276943"/>
-            <a:ext cx="4554227" cy="2568673"/>
+            <a:off x="3975100" y="4084863"/>
+            <a:ext cx="4894785" cy="2760754"/>
           </a:xfrm>
           <a:prstGeom prst="rect">
             <a:avLst/>
@@ -25936,10 +25943,10 @@
       </p:pic>
       <p:pic>
         <p:nvPicPr>
-          <p:cNvPr id="1042" name="Picture 18">
+          <p:cNvPr id="1044" name="Picture 20">
             <a:extLst>
               <a:ext uri="{FF2B5EF4-FFF2-40B4-BE49-F238E27FC236}">
-                <a16:creationId xmlns:a16="http://schemas.microsoft.com/office/drawing/2014/main" id="{DB286DFD-7BFA-D54C-8205-2A0EA453F3DF}"/>
+                <a16:creationId xmlns:a16="http://schemas.microsoft.com/office/drawing/2014/main" id="{85CBA536-2947-7D4D-B58F-A0693508DBF3}"/>
               </a:ext>
             </a:extLst>
           </p:cNvPr>
@@ -25963,8 +25970,8 @@
         </p:blipFill>
         <p:spPr bwMode="auto">
           <a:xfrm>
-            <a:off x="3975101" y="1264543"/>
-            <a:ext cx="4518870" cy="2568673"/>
+            <a:off x="3975100" y="1049416"/>
+            <a:ext cx="4894785" cy="2782355"/>
           </a:xfrm>
           <a:prstGeom prst="rect">
             <a:avLst/>
@@ -25981,6 +25988,58 @@
           </a:extLst>
         </p:spPr>
       </p:pic>
+      <p:sp>
+        <p:nvSpPr>
+          <p:cNvPr id="11" name="Oval 10">
+            <a:extLst>
+              <a:ext uri="{FF2B5EF4-FFF2-40B4-BE49-F238E27FC236}">
+                <a16:creationId xmlns:a16="http://schemas.microsoft.com/office/drawing/2014/main" id="{476EBAA7-5E23-C14F-89D2-3A6D5C971222}"/>
+              </a:ext>
+            </a:extLst>
+          </p:cNvPr>
+          <p:cNvSpPr/>
+          <p:nvPr/>
+        </p:nvSpPr>
+        <p:spPr>
+          <a:xfrm>
+            <a:off x="3975100" y="3294743"/>
+            <a:ext cx="5372100" cy="275771"/>
+          </a:xfrm>
+          <a:prstGeom prst="ellipse">
+            <a:avLst/>
+          </a:prstGeom>
+          <a:noFill/>
+          <a:ln>
+            <a:solidFill>
+              <a:srgbClr val="FF0000"/>
+            </a:solidFill>
+          </a:ln>
+        </p:spPr>
+        <p:style>
+          <a:lnRef idx="2">
+            <a:schemeClr val="accent1">
+              <a:shade val="50000"/>
+            </a:schemeClr>
+          </a:lnRef>
+          <a:fillRef idx="1">
+            <a:schemeClr val="accent1"/>
+          </a:fillRef>
+          <a:effectRef idx="0">
+            <a:schemeClr val="accent1"/>
+          </a:effectRef>
+          <a:fontRef idx="minor">
+            <a:schemeClr val="lt1"/>
+          </a:fontRef>
+        </p:style>
+        <p:txBody>
+          <a:bodyPr rtlCol="0" anchor="ctr"/>
+          <a:lstStyle/>
+          <a:p>
+            <a:pPr algn="ctr"/>
+            <a:endParaRPr lang="en-US"/>
+          </a:p>
+        </p:txBody>
+      </p:sp>
     </p:spTree>
     <p:extLst>
       <p:ext uri="{BB962C8B-B14F-4D97-AF65-F5344CB8AC3E}">
@@ -29728,6 +29787,13 @@
             <a:pPr lvl="1"/>
             <a:r>
               <a:rPr lang="en-US" sz="1600" dirty="0"/>
+              <a:t>Do solar panels make sense?</a:t>
+            </a:r>
+          </a:p>
+          <a:p>
+            <a:pPr lvl="1"/>
+            <a:r>
+              <a:rPr lang="en-US" sz="1600" dirty="0"/>
               <a:t>Improve Home Insulation</a:t>
             </a:r>
           </a:p>
